--- a/data/03-dickinson-basic.pptx
+++ b/data/03-dickinson-basic.pptx
@@ -265,18 +265,18 @@
             <c:numRef>
               <c:f>Sheet1!$B$2:$L$2</c:f>
               <c:numCache>
-                <c:formatCode>_(* #,##0.00_);_(* \(#,##0.00\);_(* "-"??_);_(@_)</c:formatCode>
+                <c:formatCode>General</c:formatCode>
                 <c:ptCount val="11"/>
-                <c:pt idx="7">
+                <c:pt idx="7" formatCode="_(* #,##0.00_);_(* \(#,##0.00\);_(* &quot;-&quot;??_);_(@_)">
                   <c:v>0.50700000000000001</c:v>
                 </c:pt>
-                <c:pt idx="8">
+                <c:pt idx="8" formatCode="_(* #,##0.00_);_(* \(#,##0.00\);_(* &quot;-&quot;??_);_(@_)">
                   <c:v>0.45500000000000002</c:v>
                 </c:pt>
-                <c:pt idx="9">
+                <c:pt idx="9" formatCode="_(* #,##0.00_);_(* \(#,##0.00\);_(* &quot;-&quot;??_);_(@_)">
                   <c:v>1.5249999999999999</c:v>
                 </c:pt>
-                <c:pt idx="10">
+                <c:pt idx="10" formatCode="_(* #,##0.00_);_(* \(#,##0.00\);_(* &quot;-&quot;??_);_(@_)">
                   <c:v>2.2200000000000002</c:v>
                 </c:pt>
               </c:numCache>
@@ -1130,7 +1130,7 @@
             <a:fld id="{E648A18B-8F7A-4331-888D-6F69B2F60007}" type="datetimeFigureOut">
               <a:rPr lang="en-US" smtClean="0"/>
               <a:pPr/>
-              <a:t>10/5/24</a:t>
+              <a:t>10/6/24</a:t>
             </a:fld>
             <a:endParaRPr lang="en-US"/>
           </a:p>
@@ -2194,7 +2194,7 @@
                 </a:solidFill>
               </a:rPr>
               <a:pPr/>
-              <a:t>10/5/24</a:t>
+              <a:t>10/6/24</a:t>
             </a:fld>
             <a:endParaRPr lang="en-US" dirty="0">
               <a:solidFill>
@@ -5107,8 +5107,13 @@
           <a:p>
             <a:r>
               <a:rPr lang="en-US" dirty="0"/>
-              <a:t>Investment Opportunity</a:t>
-            </a:r>
+              <a:t>Investment </a:t>
+            </a:r>
+            <a:r>
+              <a:rPr lang="en-US"/>
+              <a:t>Opptunity</a:t>
+            </a:r>
+            <a:endParaRPr lang="en-US" dirty="0"/>
           </a:p>
         </p:txBody>
       </p:sp>
